--- a/SOCI2010 Tutorial 3.pptx
+++ b/SOCI2010 Tutorial 3.pptx
@@ -2837,7 +2837,7 @@
           <a:p>
             <a:fld id="{28C12EA0-1810-4788-AA6D-54D171908D2E}" type="datetimeFigureOut">
               <a:rPr lang="en-GB" smtClean="0"/>
-              <a:t>20/02/2024</a:t>
+              <a:t>21/02/2024</a:t>
             </a:fld>
             <a:endParaRPr lang="en-GB"/>
           </a:p>
@@ -4790,9 +4790,9 @@
           <a:bodyPr/>
           <a:lstStyle/>
           <a:p>
-            <a:fld id="{52C57F65-6D2C-4AA8-B9E9-BDC7D6A96B71}" type="datetime1">
+            <a:fld id="{AC6C2823-2806-4EA0-8538-8EC2FD2A4233}" type="datetime1">
               <a:rPr lang="en-GB" altLang="zh-HK" smtClean="0"/>
-              <a:t>20/02/2024</a:t>
+              <a:t>21/02/2024</a:t>
             </a:fld>
             <a:endParaRPr lang="en-GB"/>
           </a:p>
@@ -4815,7 +4815,7 @@
           <a:p>
             <a:r>
               <a:rPr lang="en-GB"/>
-              <a:t>SOCI6003</a:t>
+              <a:t>SOCI2010</a:t>
             </a:r>
           </a:p>
         </p:txBody>
@@ -4963,9 +4963,9 @@
           <a:bodyPr/>
           <a:lstStyle/>
           <a:p>
-            <a:fld id="{FBBD1583-426E-4705-B913-CE4EBD773E9B}" type="datetime1">
+            <a:fld id="{6BEAE948-8085-4E8D-AE86-8226A011E271}" type="datetime1">
               <a:rPr lang="en-GB" altLang="zh-HK" smtClean="0"/>
-              <a:t>20/02/2024</a:t>
+              <a:t>21/02/2024</a:t>
             </a:fld>
             <a:endParaRPr lang="en-GB"/>
           </a:p>
@@ -4988,7 +4988,7 @@
           <a:p>
             <a:r>
               <a:rPr lang="en-GB"/>
-              <a:t>SOCI6003</a:t>
+              <a:t>SOCI2010</a:t>
             </a:r>
           </a:p>
         </p:txBody>
@@ -5146,9 +5146,9 @@
           <a:bodyPr/>
           <a:lstStyle/>
           <a:p>
-            <a:fld id="{8AC239B4-4E19-48BB-A785-18ED7FD5449F}" type="datetime1">
+            <a:fld id="{BB0D0AE2-8E46-4A66-9041-11043B42FA12}" type="datetime1">
               <a:rPr lang="en-GB" altLang="zh-HK" smtClean="0"/>
-              <a:t>20/02/2024</a:t>
+              <a:t>21/02/2024</a:t>
             </a:fld>
             <a:endParaRPr lang="en-GB"/>
           </a:p>
@@ -5171,7 +5171,7 @@
           <a:p>
             <a:r>
               <a:rPr lang="en-GB"/>
-              <a:t>SOCI6003</a:t>
+              <a:t>SOCI2010</a:t>
             </a:r>
           </a:p>
         </p:txBody>
@@ -5319,9 +5319,9 @@
           <a:bodyPr/>
           <a:lstStyle/>
           <a:p>
-            <a:fld id="{FBD51254-4E40-4992-8B1F-ADAA53DB4BA7}" type="datetime1">
+            <a:fld id="{1128CB36-669A-408A-BCED-FB2C9731653D}" type="datetime1">
               <a:rPr lang="en-GB" altLang="zh-HK" smtClean="0"/>
-              <a:t>20/02/2024</a:t>
+              <a:t>21/02/2024</a:t>
             </a:fld>
             <a:endParaRPr lang="en-GB"/>
           </a:p>
@@ -5344,7 +5344,7 @@
           <a:p>
             <a:r>
               <a:rPr lang="en-GB"/>
-              <a:t>SOCI6003</a:t>
+              <a:t>SOCI2010</a:t>
             </a:r>
           </a:p>
         </p:txBody>
@@ -5568,9 +5568,9 @@
           <a:bodyPr/>
           <a:lstStyle/>
           <a:p>
-            <a:fld id="{2D41C9EA-412D-443B-86F7-30783988FB6E}" type="datetime1">
+            <a:fld id="{9F1CFB40-0EB2-492D-9026-FF7FB9FD734C}" type="datetime1">
               <a:rPr lang="en-GB" altLang="zh-HK" smtClean="0"/>
-              <a:t>20/02/2024</a:t>
+              <a:t>21/02/2024</a:t>
             </a:fld>
             <a:endParaRPr lang="en-GB"/>
           </a:p>
@@ -5593,7 +5593,7 @@
           <a:p>
             <a:r>
               <a:rPr lang="en-GB"/>
-              <a:t>SOCI6003</a:t>
+              <a:t>SOCI2010</a:t>
             </a:r>
           </a:p>
         </p:txBody>
@@ -5859,9 +5859,9 @@
           <a:bodyPr/>
           <a:lstStyle/>
           <a:p>
-            <a:fld id="{D476599A-FB6F-42F4-9C42-D7C2DBD56FB1}" type="datetime1">
+            <a:fld id="{F962BAED-75C2-4DD4-A4F8-42E647A1807B}" type="datetime1">
               <a:rPr lang="en-GB" altLang="zh-HK" smtClean="0"/>
-              <a:t>20/02/2024</a:t>
+              <a:t>21/02/2024</a:t>
             </a:fld>
             <a:endParaRPr lang="en-GB"/>
           </a:p>
@@ -5884,7 +5884,7 @@
           <a:p>
             <a:r>
               <a:rPr lang="en-GB"/>
-              <a:t>SOCI6003</a:t>
+              <a:t>SOCI2010</a:t>
             </a:r>
           </a:p>
         </p:txBody>
@@ -6284,9 +6284,9 @@
           <a:bodyPr/>
           <a:lstStyle/>
           <a:p>
-            <a:fld id="{E5D0BD50-9C40-4C0E-83A1-21465467C01F}" type="datetime1">
+            <a:fld id="{63736A7B-14DD-4151-9108-C7D2A77AA0D1}" type="datetime1">
               <a:rPr lang="en-GB" altLang="zh-HK" smtClean="0"/>
-              <a:t>20/02/2024</a:t>
+              <a:t>21/02/2024</a:t>
             </a:fld>
             <a:endParaRPr lang="en-GB"/>
           </a:p>
@@ -6309,7 +6309,7 @@
           <a:p>
             <a:r>
               <a:rPr lang="en-GB"/>
-              <a:t>SOCI6003</a:t>
+              <a:t>SOCI2010</a:t>
             </a:r>
           </a:p>
         </p:txBody>
@@ -6405,9 +6405,9 @@
           <a:bodyPr/>
           <a:lstStyle/>
           <a:p>
-            <a:fld id="{81C634AC-FED1-42BF-8A6C-A10F3A7534BD}" type="datetime1">
+            <a:fld id="{2C8C7D04-8410-4EF7-BF97-179583A8E204}" type="datetime1">
               <a:rPr lang="en-GB" altLang="zh-HK" smtClean="0"/>
-              <a:t>20/02/2024</a:t>
+              <a:t>21/02/2024</a:t>
             </a:fld>
             <a:endParaRPr lang="en-GB"/>
           </a:p>
@@ -6430,7 +6430,7 @@
           <a:p>
             <a:r>
               <a:rPr lang="en-GB"/>
-              <a:t>SOCI6003</a:t>
+              <a:t>SOCI2010</a:t>
             </a:r>
           </a:p>
         </p:txBody>
@@ -6503,9 +6503,9 @@
           <a:bodyPr/>
           <a:lstStyle/>
           <a:p>
-            <a:fld id="{6D206E83-D0ED-4951-8639-881AC02293D0}" type="datetime1">
+            <a:fld id="{99CCE7A0-CBB2-4334-B672-E8854A6773BC}" type="datetime1">
               <a:rPr lang="en-GB" altLang="zh-HK" smtClean="0"/>
-              <a:t>20/02/2024</a:t>
+              <a:t>21/02/2024</a:t>
             </a:fld>
             <a:endParaRPr lang="en-GB"/>
           </a:p>
@@ -6528,7 +6528,7 @@
           <a:p>
             <a:r>
               <a:rPr lang="en-GB"/>
-              <a:t>SOCI6003</a:t>
+              <a:t>SOCI2010</a:t>
             </a:r>
           </a:p>
         </p:txBody>
@@ -6783,9 +6783,9 @@
           <a:bodyPr/>
           <a:lstStyle/>
           <a:p>
-            <a:fld id="{BC2F9B0E-6A3D-4308-A95F-BF160E165543}" type="datetime1">
+            <a:fld id="{D623EEF2-F5A6-45FA-B08B-AE581E511685}" type="datetime1">
               <a:rPr lang="en-GB" altLang="zh-HK" smtClean="0"/>
-              <a:t>20/02/2024</a:t>
+              <a:t>21/02/2024</a:t>
             </a:fld>
             <a:endParaRPr lang="en-GB"/>
           </a:p>
@@ -6808,7 +6808,7 @@
           <a:p>
             <a:r>
               <a:rPr lang="en-GB"/>
-              <a:t>SOCI6003</a:t>
+              <a:t>SOCI2010</a:t>
             </a:r>
           </a:p>
         </p:txBody>
@@ -7039,9 +7039,9 @@
           <a:bodyPr/>
           <a:lstStyle/>
           <a:p>
-            <a:fld id="{012C536E-D74E-42FE-8AE7-443E0E46C26E}" type="datetime1">
+            <a:fld id="{76BD65A9-3686-4D29-B97F-9A33898E3484}" type="datetime1">
               <a:rPr lang="en-GB" altLang="zh-HK" smtClean="0"/>
-              <a:t>20/02/2024</a:t>
+              <a:t>21/02/2024</a:t>
             </a:fld>
             <a:endParaRPr lang="en-GB"/>
           </a:p>
@@ -7064,7 +7064,7 @@
           <a:p>
             <a:r>
               <a:rPr lang="en-GB"/>
-              <a:t>SOCI6003</a:t>
+              <a:t>SOCI2010</a:t>
             </a:r>
           </a:p>
         </p:txBody>
@@ -7255,9 +7255,9 @@
             </a:lvl1pPr>
           </a:lstStyle>
           <a:p>
-            <a:fld id="{1E56649D-9282-4789-B15B-75D77CA2F714}" type="datetime1">
+            <a:fld id="{8B2BC56B-1052-461D-86E9-04D2E2275559}" type="datetime1">
               <a:rPr lang="en-GB" altLang="zh-HK" smtClean="0"/>
-              <a:t>20/02/2024</a:t>
+              <a:t>21/02/2024</a:t>
             </a:fld>
             <a:endParaRPr lang="en-GB"/>
           </a:p>
@@ -7298,7 +7298,7 @@
           <a:p>
             <a:r>
               <a:rPr lang="en-GB"/>
-              <a:t>SOCI6003</a:t>
+              <a:t>SOCI2010</a:t>
             </a:r>
           </a:p>
         </p:txBody>
@@ -7969,7 +7969,7 @@
             </a:pPr>
             <a:r>
               <a:rPr lang="en-GB"/>
-              <a:t>SOCI6003</a:t>
+              <a:t>SOCI2010</a:t>
             </a:r>
           </a:p>
         </p:txBody>
@@ -8179,7 +8179,7 @@
             </a:pPr>
             <a:r>
               <a:rPr lang="en-GB"/>
-              <a:t>SOCI6003</a:t>
+              <a:t>SOCI2010</a:t>
             </a:r>
           </a:p>
         </p:txBody>
@@ -8394,7 +8394,7 @@
             </a:pPr>
             <a:r>
               <a:rPr lang="en-GB"/>
-              <a:t>SOCI6003</a:t>
+              <a:t>SOCI2010</a:t>
             </a:r>
           </a:p>
         </p:txBody>
@@ -9030,7 +9030,7 @@
             </a:pPr>
             <a:r>
               <a:rPr lang="en-GB"/>
-              <a:t>SOCI6003</a:t>
+              <a:t>SOCI2010</a:t>
             </a:r>
           </a:p>
         </p:txBody>
@@ -9822,7 +9822,7 @@
                 <a:ea typeface="+mn-ea"/>
                 <a:cs typeface="+mn-cs"/>
               </a:rPr>
-              <a:t>SOCI6003</a:t>
+              <a:t>SOCI2010</a:t>
             </a:r>
           </a:p>
         </p:txBody>
@@ -10021,7 +10021,7 @@
           <a:p>
             <a:r>
               <a:rPr lang="en-GB"/>
-              <a:t>SOCI6003</a:t>
+              <a:t>SOCI2010</a:t>
             </a:r>
           </a:p>
         </p:txBody>
@@ -10352,7 +10352,7 @@
           <a:p>
             <a:r>
               <a:rPr lang="en-GB"/>
-              <a:t>SOCI6003</a:t>
+              <a:t>SOCI2010</a:t>
             </a:r>
           </a:p>
         </p:txBody>
@@ -10513,7 +10513,7 @@
           <a:p>
             <a:r>
               <a:rPr lang="en-GB"/>
-              <a:t>SOCI6003</a:t>
+              <a:t>SOCI2010</a:t>
             </a:r>
           </a:p>
         </p:txBody>
@@ -10658,7 +10658,7 @@
           <a:p>
             <a:r>
               <a:rPr lang="en-GB"/>
-              <a:t>SOCI6003</a:t>
+              <a:t>SOCI2010</a:t>
             </a:r>
           </a:p>
         </p:txBody>
@@ -10818,7 +10818,7 @@
           <a:p>
             <a:r>
               <a:rPr lang="en-GB"/>
-              <a:t>SOCI6003</a:t>
+              <a:t>SOCI2010</a:t>
             </a:r>
           </a:p>
         </p:txBody>
@@ -10987,7 +10987,7 @@
           <a:p>
             <a:r>
               <a:rPr lang="en-GB"/>
-              <a:t>SOCI6003</a:t>
+              <a:t>SOCI2010</a:t>
             </a:r>
           </a:p>
         </p:txBody>
@@ -11406,7 +11406,7 @@
             </a:pPr>
             <a:r>
               <a:rPr lang="en-GB"/>
-              <a:t>SOCI6003</a:t>
+              <a:t>SOCI2010</a:t>
             </a:r>
           </a:p>
         </p:txBody>
@@ -12029,7 +12029,7 @@
             </a:pPr>
             <a:r>
               <a:rPr lang="en-GB"/>
-              <a:t>SOCI6003</a:t>
+              <a:t>SOCI2010</a:t>
             </a:r>
           </a:p>
         </p:txBody>
@@ -12482,7 +12482,7 @@
             </a:pPr>
             <a:r>
               <a:rPr lang="en-GB"/>
-              <a:t>SOCI6003</a:t>
+              <a:t>SOCI2010</a:t>
             </a:r>
           </a:p>
         </p:txBody>
